--- a/Companion.스토리보드.VER.0.2(예약하기,호텔소개).pptx
+++ b/Companion.스토리보드.VER.0.2(예약하기,호텔소개).pptx
@@ -2,7 +2,7 @@
 <file path=ppt/presentation.xml><?xml version="1.0" encoding="utf-8"?>
 <p:presentation xmlns:r="http://schemas.openxmlformats.org/officeDocument/2006/relationships" xmlns:c="http://schemas.openxmlformats.org/drawingml/2006/chart" xmlns:a="http://schemas.openxmlformats.org/drawingml/2006/main" xmlns:dgm="http://schemas.openxmlformats.org/drawingml/2006/diagram" xmlns:dsp="http://schemas.microsoft.com/office/drawing/2008/diagram" xmlns:p="http://schemas.openxmlformats.org/presentationml/2006/main">
   <p:sldMasterIdLst>
-    <p:sldMasterId id="2147483746" r:id="rId1"/>
+    <p:sldMasterId id="2147483736" r:id="rId1"/>
   </p:sldMasterIdLst>
   <p:notesMasterIdLst>
     <p:notesMasterId r:id="rId2"/>
@@ -310,7 +310,7 @@
               <a:pPr>
                 <a:defRPr/>
               </a:pPr>
-              <a:t>2020-03-05</a:t>
+              <a:t>2020-03-08</a:t>
             </a:fld>
             <a:endParaRPr lang="en-US" altLang="ko-KR"/>
           </a:p>
@@ -558,7 +558,7 @@
               <a:pPr>
                 <a:defRPr/>
               </a:pPr>
-              <a:t>2020-03-05</a:t>
+              <a:t>2020-03-08</a:t>
             </a:fld>
             <a:endParaRPr lang="en-US" altLang="ko-KR"/>
           </a:p>
@@ -10907,33 +10907,9 @@
                           <a:latin typeface="맑은 고딕"/>
                           <a:ea typeface="맑은 고딕"/>
                         </a:rPr>
-                        <a:t>공통</a:t>
+                        <a:t>돌보미소개</a:t>
                       </a:r>
-                      <a:r>
-                        <a:rPr lang="en-US" altLang="ko-KR" sz="1000" b="0" kern="100">
-                          <a:effectLst/>
-                          <a:latin typeface="맑은 고딕"/>
-                          <a:ea typeface="맑은 고딕"/>
-                        </a:rPr>
-                        <a:t>(</a:t>
-                      </a:r>
-                      <a:r>
-                        <a:rPr lang="ko-KR" altLang="en-US" sz="1000" b="0" kern="100">
-                          <a:effectLst/>
-                          <a:latin typeface="맑은 고딕"/>
-                          <a:ea typeface="맑은 고딕"/>
-                        </a:rPr>
-                        <a:t>세부 탭</a:t>
-                      </a:r>
-                      <a:r>
-                        <a:rPr lang="en-US" altLang="ko-KR" sz="1000" b="0" kern="100">
-                          <a:effectLst/>
-                          <a:latin typeface="맑은 고딕"/>
-                          <a:ea typeface="맑은 고딕"/>
-                        </a:rPr>
-                        <a:t>?)</a:t>
-                      </a:r>
-                      <a:endParaRPr lang="en-US" altLang="ko-KR" sz="1000" b="0" kern="100">
+                      <a:endParaRPr lang="ko-KR" altLang="en-US" sz="1000" b="0" kern="100">
                         <a:effectLst/>
                         <a:latin typeface="맑은 고딕"/>
                         <a:ea typeface="맑은 고딕"/>
